--- a/06_ITK-1_Segmentation/ITK-Segmentation.pptx
+++ b/06_ITK-1_Segmentation/ITK-Segmentation.pptx
@@ -213,7 +213,7 @@
           <a:p>
             <a:fld id="{C046E460-515B-405C-84D9-50DA61025AFE}" type="datetimeFigureOut">
               <a:rPr lang="en-US" smtClean="0"/>
-              <a:t>23-Mar-16</a:t>
+              <a:t>8/10/2023</a:t>
             </a:fld>
             <a:endParaRPr lang="en-US"/>
           </a:p>
@@ -811,7 +811,7 @@
             <a:fld id="{3A58E68A-A204-413D-96F6-8F1149D77122}" type="datetimeFigureOut">
               <a:rPr lang="en-US" smtClean="0"/>
               <a:pPr/>
-              <a:t>23-Mar-16</a:t>
+              <a:t>8/10/2023</a:t>
             </a:fld>
             <a:endParaRPr lang="en-US"/>
           </a:p>
@@ -950,7 +950,7 @@
           <a:p>
             <a:fld id="{3A58E68A-A204-413D-96F6-8F1149D77122}" type="datetimeFigureOut">
               <a:rPr lang="en-US" smtClean="0"/>
-              <a:t>23-Mar-16</a:t>
+              <a:t>8/10/2023</a:t>
             </a:fld>
             <a:endParaRPr lang="en-US"/>
           </a:p>
@@ -3869,6 +3869,16 @@
 <file path=ppt/slides/slide1.xml><?xml version="1.0" encoding="utf-8"?>
 <p:sld xmlns:a="http://schemas.openxmlformats.org/drawingml/2006/main" xmlns:r="http://schemas.openxmlformats.org/officeDocument/2006/relationships" xmlns:p="http://schemas.openxmlformats.org/presentationml/2006/main">
   <p:cSld>
+    <p:bg>
+      <p:bgPr>
+        <a:solidFill>
+          <a:schemeClr val="bg2">
+            <a:lumMod val="90000"/>
+          </a:schemeClr>
+        </a:solidFill>
+        <a:effectLst/>
+      </p:bgPr>
+    </p:bg>
     <p:spTree>
       <p:nvGrpSpPr>
         <p:cNvPr id="1" name=""/>
@@ -3962,6 +3972,16 @@
 <file path=ppt/slides/slide10.xml><?xml version="1.0" encoding="utf-8"?>
 <p:sld xmlns:a="http://schemas.openxmlformats.org/drawingml/2006/main" xmlns:r="http://schemas.openxmlformats.org/officeDocument/2006/relationships" xmlns:p="http://schemas.openxmlformats.org/presentationml/2006/main">
   <p:cSld>
+    <p:bg>
+      <p:bgPr>
+        <a:solidFill>
+          <a:schemeClr val="bg2">
+            <a:lumMod val="90000"/>
+          </a:schemeClr>
+        </a:solidFill>
+        <a:effectLst/>
+      </p:bgPr>
+    </p:bg>
     <p:spTree>
       <p:nvGrpSpPr>
         <p:cNvPr id="1" name=""/>
@@ -4375,6 +4395,16 @@
 <file path=ppt/slides/slide11.xml><?xml version="1.0" encoding="utf-8"?>
 <p:sld xmlns:a="http://schemas.openxmlformats.org/drawingml/2006/main" xmlns:r="http://schemas.openxmlformats.org/officeDocument/2006/relationships" xmlns:p="http://schemas.openxmlformats.org/presentationml/2006/main">
   <p:cSld>
+    <p:bg>
+      <p:bgPr>
+        <a:solidFill>
+          <a:schemeClr val="bg2">
+            <a:lumMod val="90000"/>
+          </a:schemeClr>
+        </a:solidFill>
+        <a:effectLst/>
+      </p:bgPr>
+    </p:bg>
     <p:spTree>
       <p:nvGrpSpPr>
         <p:cNvPr id="1" name=""/>
@@ -4908,6 +4938,16 @@
 <file path=ppt/slides/slide12.xml><?xml version="1.0" encoding="utf-8"?>
 <p:sld xmlns:a="http://schemas.openxmlformats.org/drawingml/2006/main" xmlns:r="http://schemas.openxmlformats.org/officeDocument/2006/relationships" xmlns:p="http://schemas.openxmlformats.org/presentationml/2006/main">
   <p:cSld>
+    <p:bg>
+      <p:bgPr>
+        <a:solidFill>
+          <a:schemeClr val="bg2">
+            <a:lumMod val="90000"/>
+          </a:schemeClr>
+        </a:solidFill>
+        <a:effectLst/>
+      </p:bgPr>
+    </p:bg>
     <p:spTree>
       <p:nvGrpSpPr>
         <p:cNvPr id="1" name=""/>
@@ -5268,6 +5308,16 @@
 <file path=ppt/slides/slide13.xml><?xml version="1.0" encoding="utf-8"?>
 <p:sld xmlns:a="http://schemas.openxmlformats.org/drawingml/2006/main" xmlns:r="http://schemas.openxmlformats.org/officeDocument/2006/relationships" xmlns:p="http://schemas.openxmlformats.org/presentationml/2006/main">
   <p:cSld>
+    <p:bg>
+      <p:bgPr>
+        <a:solidFill>
+          <a:schemeClr val="bg2">
+            <a:lumMod val="90000"/>
+          </a:schemeClr>
+        </a:solidFill>
+        <a:effectLst/>
+      </p:bgPr>
+    </p:bg>
     <p:spTree>
       <p:nvGrpSpPr>
         <p:cNvPr id="1" name=""/>
@@ -5342,6 +5392,16 @@
 <file path=ppt/slides/slide2.xml><?xml version="1.0" encoding="utf-8"?>
 <p:sld xmlns:a="http://schemas.openxmlformats.org/drawingml/2006/main" xmlns:r="http://schemas.openxmlformats.org/officeDocument/2006/relationships" xmlns:p="http://schemas.openxmlformats.org/presentationml/2006/main">
   <p:cSld>
+    <p:bg>
+      <p:bgPr>
+        <a:solidFill>
+          <a:schemeClr val="bg2">
+            <a:lumMod val="90000"/>
+          </a:schemeClr>
+        </a:solidFill>
+        <a:effectLst/>
+      </p:bgPr>
+    </p:bg>
     <p:spTree>
       <p:nvGrpSpPr>
         <p:cNvPr id="1" name=""/>
@@ -5480,6 +5540,16 @@
 <file path=ppt/slides/slide3.xml><?xml version="1.0" encoding="utf-8"?>
 <p:sld xmlns:a="http://schemas.openxmlformats.org/drawingml/2006/main" xmlns:r="http://schemas.openxmlformats.org/officeDocument/2006/relationships" xmlns:p="http://schemas.openxmlformats.org/presentationml/2006/main">
   <p:cSld>
+    <p:bg>
+      <p:bgPr>
+        <a:solidFill>
+          <a:schemeClr val="bg2">
+            <a:lumMod val="90000"/>
+          </a:schemeClr>
+        </a:solidFill>
+        <a:effectLst/>
+      </p:bgPr>
+    </p:bg>
     <p:spTree>
       <p:nvGrpSpPr>
         <p:cNvPr id="1" name=""/>
@@ -6194,6 +6264,16 @@
 <file path=ppt/slides/slide4.xml><?xml version="1.0" encoding="utf-8"?>
 <p:sld xmlns:a="http://schemas.openxmlformats.org/drawingml/2006/main" xmlns:r="http://schemas.openxmlformats.org/officeDocument/2006/relationships" xmlns:p="http://schemas.openxmlformats.org/presentationml/2006/main">
   <p:cSld>
+    <p:bg>
+      <p:bgPr>
+        <a:solidFill>
+          <a:schemeClr val="bg2">
+            <a:lumMod val="90000"/>
+          </a:schemeClr>
+        </a:solidFill>
+        <a:effectLst/>
+      </p:bgPr>
+    </p:bg>
     <p:spTree>
       <p:nvGrpSpPr>
         <p:cNvPr id="1" name=""/>
@@ -6890,6 +6970,16 @@
 <file path=ppt/slides/slide5.xml><?xml version="1.0" encoding="utf-8"?>
 <p:sld xmlns:a="http://schemas.openxmlformats.org/drawingml/2006/main" xmlns:r="http://schemas.openxmlformats.org/officeDocument/2006/relationships" xmlns:p="http://schemas.openxmlformats.org/presentationml/2006/main">
   <p:cSld>
+    <p:bg>
+      <p:bgPr>
+        <a:solidFill>
+          <a:schemeClr val="bg2">
+            <a:lumMod val="90000"/>
+          </a:schemeClr>
+        </a:solidFill>
+        <a:effectLst/>
+      </p:bgPr>
+    </p:bg>
     <p:spTree>
       <p:nvGrpSpPr>
         <p:cNvPr id="1" name=""/>
@@ -7633,6 +7723,16 @@
 <file path=ppt/slides/slide6.xml><?xml version="1.0" encoding="utf-8"?>
 <p:sld xmlns:a="http://schemas.openxmlformats.org/drawingml/2006/main" xmlns:r="http://schemas.openxmlformats.org/officeDocument/2006/relationships" xmlns:p="http://schemas.openxmlformats.org/presentationml/2006/main">
   <p:cSld>
+    <p:bg>
+      <p:bgPr>
+        <a:solidFill>
+          <a:schemeClr val="bg2">
+            <a:lumMod val="90000"/>
+          </a:schemeClr>
+        </a:solidFill>
+        <a:effectLst/>
+      </p:bgPr>
+    </p:bg>
     <p:spTree>
       <p:nvGrpSpPr>
         <p:cNvPr id="1" name=""/>
@@ -8285,6 +8385,16 @@
 <file path=ppt/slides/slide7.xml><?xml version="1.0" encoding="utf-8"?>
 <p:sld xmlns:a="http://schemas.openxmlformats.org/drawingml/2006/main" xmlns:r="http://schemas.openxmlformats.org/officeDocument/2006/relationships" xmlns:p="http://schemas.openxmlformats.org/presentationml/2006/main">
   <p:cSld>
+    <p:bg>
+      <p:bgPr>
+        <a:solidFill>
+          <a:schemeClr val="bg2">
+            <a:lumMod val="90000"/>
+          </a:schemeClr>
+        </a:solidFill>
+        <a:effectLst/>
+      </p:bgPr>
+    </p:bg>
     <p:spTree>
       <p:nvGrpSpPr>
         <p:cNvPr id="1" name=""/>
@@ -8904,6 +9014,16 @@
 <file path=ppt/slides/slide8.xml><?xml version="1.0" encoding="utf-8"?>
 <p:sld xmlns:a="http://schemas.openxmlformats.org/drawingml/2006/main" xmlns:r="http://schemas.openxmlformats.org/officeDocument/2006/relationships" xmlns:p="http://schemas.openxmlformats.org/presentationml/2006/main">
   <p:cSld>
+    <p:bg>
+      <p:bgPr>
+        <a:solidFill>
+          <a:schemeClr val="bg2">
+            <a:lumMod val="90000"/>
+          </a:schemeClr>
+        </a:solidFill>
+        <a:effectLst/>
+      </p:bgPr>
+    </p:bg>
     <p:spTree>
       <p:nvGrpSpPr>
         <p:cNvPr id="1" name=""/>
@@ -9487,6 +9607,16 @@
 <file path=ppt/slides/slide9.xml><?xml version="1.0" encoding="utf-8"?>
 <p:sld xmlns:a="http://schemas.openxmlformats.org/drawingml/2006/main" xmlns:r="http://schemas.openxmlformats.org/officeDocument/2006/relationships" xmlns:p="http://schemas.openxmlformats.org/presentationml/2006/main">
   <p:cSld>
+    <p:bg>
+      <p:bgPr>
+        <a:solidFill>
+          <a:schemeClr val="bg2">
+            <a:lumMod val="90000"/>
+          </a:schemeClr>
+        </a:solidFill>
+        <a:effectLst/>
+      </p:bgPr>
+    </p:bg>
     <p:spTree>
       <p:nvGrpSpPr>
         <p:cNvPr id="1" name=""/>
